--- a/宣道詩/(宣道詩152) 耶穌在榮耀中再來.pptx
+++ b/宣道詩/(宣道詩152) 耶穌在榮耀中再來.pptx
@@ -149,7 +149,7 @@
   </p:defaultTextStyle>
   <p:extLst>
     <p:ext uri="{EFAFB233-063F-42B5-8137-9DF3F51BA10A}">
-      <p15:sldGuideLst xmlns:p15="http://schemas.microsoft.com/office/powerpoint/2012/main">
+      <p15:sldGuideLst xmlns:p15="http://schemas.microsoft.com/office/powerpoint/2012/main" xmlns="">
         <p15:guide id="1" orient="horz" pos="2268" userDrawn="1">
           <p15:clr>
             <a:srgbClr val="A4A3A4"/>
@@ -310,6 +310,7 @@
           <a:p>
             <a:fld id="{50305E07-67EA-4042-A3F6-853A8AD8D209}" type="slidenum">
               <a:rPr lang="en-US" smtClean="0"/>
+              <a:pPr/>
               <a:t>‹#›</a:t>
             </a:fld>
             <a:endParaRPr lang="en-US"/>
@@ -561,6 +562,7 @@
           <a:p>
             <a:fld id="{789453B0-9DF3-4847-AF80-E61FDDFE7134}" type="slidenum">
               <a:rPr lang="zh-TW" altLang="en-US" smtClean="0"/>
+              <a:pPr/>
               <a:t>‹#›</a:t>
             </a:fld>
             <a:endParaRPr lang="zh-TW" altLang="en-US"/>
@@ -893,6 +895,9 @@
             </a:pPr>
             <a:fld id="{9B0C4BEA-116E-4A46-BBD1-DB16043DE460}" type="slidenum">
               <a:rPr lang="en-US" altLang="zh-TW" smtClean="0"/>
+              <a:pPr>
+                <a:defRPr/>
+              </a:pPr>
               <a:t>‹#›</a:t>
             </a:fld>
             <a:endParaRPr lang="en-US" altLang="zh-TW"/>
@@ -902,7 +907,7 @@
     </p:spTree>
     <p:extLst>
       <p:ext uri="{BB962C8B-B14F-4D97-AF65-F5344CB8AC3E}">
-        <p14:creationId xmlns:p14="http://schemas.microsoft.com/office/powerpoint/2010/main" val="1526214733"/>
+        <p14:creationId xmlns:p14="http://schemas.microsoft.com/office/powerpoint/2010/main" xmlns="" val="1526214733"/>
       </p:ext>
     </p:extLst>
   </p:cSld>
@@ -1068,6 +1073,9 @@
             </a:pPr>
             <a:fld id="{ACE7D3E4-89F3-4CED-A48A-023A05B8B9D6}" type="slidenum">
               <a:rPr lang="en-US" altLang="zh-TW" smtClean="0"/>
+              <a:pPr>
+                <a:defRPr/>
+              </a:pPr>
               <a:t>‹#›</a:t>
             </a:fld>
             <a:endParaRPr lang="en-US" altLang="zh-TW"/>
@@ -1077,7 +1085,7 @@
     </p:spTree>
     <p:extLst>
       <p:ext uri="{BB962C8B-B14F-4D97-AF65-F5344CB8AC3E}">
-        <p14:creationId xmlns:p14="http://schemas.microsoft.com/office/powerpoint/2010/main" val="1329656577"/>
+        <p14:creationId xmlns:p14="http://schemas.microsoft.com/office/powerpoint/2010/main" xmlns="" val="1329656577"/>
       </p:ext>
     </p:extLst>
   </p:cSld>
@@ -1253,6 +1261,9 @@
             </a:pPr>
             <a:fld id="{E03267DE-EE7E-471A-A40B-FAAFF4920C61}" type="slidenum">
               <a:rPr lang="en-US" altLang="zh-TW" smtClean="0"/>
+              <a:pPr>
+                <a:defRPr/>
+              </a:pPr>
               <a:t>‹#›</a:t>
             </a:fld>
             <a:endParaRPr lang="en-US" altLang="zh-TW"/>
@@ -1262,7 +1273,7 @@
     </p:spTree>
     <p:extLst>
       <p:ext uri="{BB962C8B-B14F-4D97-AF65-F5344CB8AC3E}">
-        <p14:creationId xmlns:p14="http://schemas.microsoft.com/office/powerpoint/2010/main" val="2030730270"/>
+        <p14:creationId xmlns:p14="http://schemas.microsoft.com/office/powerpoint/2010/main" xmlns="" val="2030730270"/>
       </p:ext>
     </p:extLst>
   </p:cSld>
@@ -1428,6 +1439,9 @@
             </a:pPr>
             <a:fld id="{8B1D29A9-78CF-43D9-96E6-EC61B25CAC04}" type="slidenum">
               <a:rPr lang="en-US" altLang="zh-TW" smtClean="0"/>
+              <a:pPr>
+                <a:defRPr/>
+              </a:pPr>
               <a:t>‹#›</a:t>
             </a:fld>
             <a:endParaRPr lang="en-US" altLang="zh-TW"/>
@@ -1437,7 +1451,7 @@
     </p:spTree>
     <p:extLst>
       <p:ext uri="{BB962C8B-B14F-4D97-AF65-F5344CB8AC3E}">
-        <p14:creationId xmlns:p14="http://schemas.microsoft.com/office/powerpoint/2010/main" val="231261634"/>
+        <p14:creationId xmlns:p14="http://schemas.microsoft.com/office/powerpoint/2010/main" xmlns="" val="231261634"/>
       </p:ext>
     </p:extLst>
   </p:cSld>
@@ -1679,6 +1693,9 @@
             </a:pPr>
             <a:fld id="{F8642490-7E29-4483-9A31-EFF80A070D56}" type="slidenum">
               <a:rPr lang="en-US" altLang="zh-TW" smtClean="0"/>
+              <a:pPr>
+                <a:defRPr/>
+              </a:pPr>
               <a:t>‹#›</a:t>
             </a:fld>
             <a:endParaRPr lang="en-US" altLang="zh-TW"/>
@@ -1688,7 +1705,7 @@
     </p:spTree>
     <p:extLst>
       <p:ext uri="{BB962C8B-B14F-4D97-AF65-F5344CB8AC3E}">
-        <p14:creationId xmlns:p14="http://schemas.microsoft.com/office/powerpoint/2010/main" val="1331743038"/>
+        <p14:creationId xmlns:p14="http://schemas.microsoft.com/office/powerpoint/2010/main" xmlns="" val="1331743038"/>
       </p:ext>
     </p:extLst>
   </p:cSld>
@@ -1972,6 +1989,9 @@
             </a:pPr>
             <a:fld id="{BD66FBA3-C5B6-4ABE-B006-3071EDE08652}" type="slidenum">
               <a:rPr lang="en-US" altLang="zh-TW" smtClean="0"/>
+              <a:pPr>
+                <a:defRPr/>
+              </a:pPr>
               <a:t>‹#›</a:t>
             </a:fld>
             <a:endParaRPr lang="en-US" altLang="zh-TW"/>
@@ -1981,7 +2001,7 @@
     </p:spTree>
     <p:extLst>
       <p:ext uri="{BB962C8B-B14F-4D97-AF65-F5344CB8AC3E}">
-        <p14:creationId xmlns:p14="http://schemas.microsoft.com/office/powerpoint/2010/main" val="2978104450"/>
+        <p14:creationId xmlns:p14="http://schemas.microsoft.com/office/powerpoint/2010/main" xmlns="" val="2978104450"/>
       </p:ext>
     </p:extLst>
   </p:cSld>
@@ -2399,6 +2419,9 @@
             </a:pPr>
             <a:fld id="{EAD6F40A-D4BD-4CFE-9F04-3E5B79AD6394}" type="slidenum">
               <a:rPr lang="en-US" altLang="zh-TW" smtClean="0"/>
+              <a:pPr>
+                <a:defRPr/>
+              </a:pPr>
               <a:t>‹#›</a:t>
             </a:fld>
             <a:endParaRPr lang="en-US" altLang="zh-TW"/>
@@ -2408,7 +2431,7 @@
     </p:spTree>
     <p:extLst>
       <p:ext uri="{BB962C8B-B14F-4D97-AF65-F5344CB8AC3E}">
-        <p14:creationId xmlns:p14="http://schemas.microsoft.com/office/powerpoint/2010/main" val="2611068169"/>
+        <p14:creationId xmlns:p14="http://schemas.microsoft.com/office/powerpoint/2010/main" xmlns="" val="2611068169"/>
       </p:ext>
     </p:extLst>
   </p:cSld>
@@ -2522,6 +2545,9 @@
             </a:pPr>
             <a:fld id="{676EE02C-5D35-4378-8340-C70FEDA343E6}" type="slidenum">
               <a:rPr lang="en-US" altLang="zh-TW" smtClean="0"/>
+              <a:pPr>
+                <a:defRPr/>
+              </a:pPr>
               <a:t>‹#›</a:t>
             </a:fld>
             <a:endParaRPr lang="en-US" altLang="zh-TW"/>
@@ -2531,7 +2557,7 @@
     </p:spTree>
     <p:extLst>
       <p:ext uri="{BB962C8B-B14F-4D97-AF65-F5344CB8AC3E}">
-        <p14:creationId xmlns:p14="http://schemas.microsoft.com/office/powerpoint/2010/main" val="3391105657"/>
+        <p14:creationId xmlns:p14="http://schemas.microsoft.com/office/powerpoint/2010/main" xmlns="" val="3391105657"/>
       </p:ext>
     </p:extLst>
   </p:cSld>
@@ -2622,6 +2648,9 @@
             </a:pPr>
             <a:fld id="{EB50ADB6-12FA-47A2-8F8B-679B72FFE344}" type="slidenum">
               <a:rPr lang="en-US" altLang="zh-TW" smtClean="0"/>
+              <a:pPr>
+                <a:defRPr/>
+              </a:pPr>
               <a:t>‹#›</a:t>
             </a:fld>
             <a:endParaRPr lang="en-US" altLang="zh-TW"/>
@@ -2631,7 +2660,7 @@
     </p:spTree>
     <p:extLst>
       <p:ext uri="{BB962C8B-B14F-4D97-AF65-F5344CB8AC3E}">
-        <p14:creationId xmlns:p14="http://schemas.microsoft.com/office/powerpoint/2010/main" val="1205900665"/>
+        <p14:creationId xmlns:p14="http://schemas.microsoft.com/office/powerpoint/2010/main" xmlns="" val="1205900665"/>
       </p:ext>
     </p:extLst>
   </p:cSld>
@@ -2904,6 +2933,9 @@
             </a:pPr>
             <a:fld id="{6F0F8A50-B2C4-4226-B3AC-3C570B2B9CE0}" type="slidenum">
               <a:rPr lang="en-US" altLang="zh-TW" smtClean="0"/>
+              <a:pPr>
+                <a:defRPr/>
+              </a:pPr>
               <a:t>‹#›</a:t>
             </a:fld>
             <a:endParaRPr lang="en-US" altLang="zh-TW"/>
@@ -2913,7 +2945,7 @@
     </p:spTree>
     <p:extLst>
       <p:ext uri="{BB962C8B-B14F-4D97-AF65-F5344CB8AC3E}">
-        <p14:creationId xmlns:p14="http://schemas.microsoft.com/office/powerpoint/2010/main" val="3254418428"/>
+        <p14:creationId xmlns:p14="http://schemas.microsoft.com/office/powerpoint/2010/main" xmlns="" val="3254418428"/>
       </p:ext>
     </p:extLst>
   </p:cSld>
@@ -3166,6 +3198,9 @@
             </a:pPr>
             <a:fld id="{58F35931-D635-4C49-A97E-2F28EAA6FE94}" type="slidenum">
               <a:rPr lang="en-US" altLang="zh-TW" smtClean="0"/>
+              <a:pPr>
+                <a:defRPr/>
+              </a:pPr>
               <a:t>‹#›</a:t>
             </a:fld>
             <a:endParaRPr lang="en-US" altLang="zh-TW"/>
@@ -3175,7 +3210,7 @@
     </p:spTree>
     <p:extLst>
       <p:ext uri="{BB962C8B-B14F-4D97-AF65-F5344CB8AC3E}">
-        <p14:creationId xmlns:p14="http://schemas.microsoft.com/office/powerpoint/2010/main" val="4022109883"/>
+        <p14:creationId xmlns:p14="http://schemas.microsoft.com/office/powerpoint/2010/main" xmlns="" val="4022109883"/>
       </p:ext>
     </p:extLst>
   </p:cSld>
@@ -3425,6 +3460,9 @@
             </a:pPr>
             <a:fld id="{B24E0EF9-2ADF-4FFE-B22E-4DD3F4BA4B81}" type="slidenum">
               <a:rPr lang="en-US" altLang="zh-TW" smtClean="0"/>
+              <a:pPr>
+                <a:defRPr/>
+              </a:pPr>
               <a:t>‹#›</a:t>
             </a:fld>
             <a:endParaRPr lang="en-US" altLang="zh-TW"/>
@@ -3434,7 +3472,7 @@
     </p:spTree>
     <p:extLst>
       <p:ext uri="{BB962C8B-B14F-4D97-AF65-F5344CB8AC3E}">
-        <p14:creationId xmlns:p14="http://schemas.microsoft.com/office/powerpoint/2010/main" val="1186040005"/>
+        <p14:creationId xmlns:p14="http://schemas.microsoft.com/office/powerpoint/2010/main" xmlns="" val="1186040005"/>
       </p:ext>
     </p:extLst>
   </p:cSld>
@@ -3891,7 +3929,7 @@
     </p:spTree>
     <p:extLst>
       <p:ext uri="{BB962C8B-B14F-4D97-AF65-F5344CB8AC3E}">
-        <p14:creationId xmlns:p14="http://schemas.microsoft.com/office/powerpoint/2010/main" val="3719544252"/>
+        <p14:creationId xmlns:p14="http://schemas.microsoft.com/office/powerpoint/2010/main" xmlns="" val="3719544252"/>
       </p:ext>
     </p:extLst>
   </p:cSld>
@@ -4001,37 +4039,7 @@
                 <a:latin typeface="Microsoft JhengHei" panose="020B0604030504040204" pitchFamily="34" charset="-120"/>
                 <a:ea typeface="Microsoft JhengHei" panose="020B0604030504040204" pitchFamily="34" charset="-120"/>
               </a:rPr>
-              <a:t>古今</a:t>
-            </a:r>
-            <a:r>
-              <a:rPr lang="zh-TW" altLang="en-US" sz="5400" b="1" dirty="0">
-                <a:solidFill>
-                  <a:srgbClr val="002060"/>
-                </a:solidFill>
-                <a:latin typeface="Microsoft JhengHei" panose="020B0604030504040204" pitchFamily="34" charset="-120"/>
-                <a:ea typeface="Microsoft JhengHei" panose="020B0604030504040204" pitchFamily="34" charset="-120"/>
-              </a:rPr>
-              <a:t>來  最</a:t>
-            </a:r>
-            <a:r>
-              <a:rPr lang="zh-TW" altLang="en-US" sz="5400" b="1" dirty="0">
-                <a:solidFill>
-                  <a:srgbClr val="002060"/>
-                </a:solidFill>
-                <a:latin typeface="Microsoft JhengHei" panose="020B0604030504040204" pitchFamily="34" charset="-120"/>
-                <a:ea typeface="Microsoft JhengHei" panose="020B0604030504040204" pitchFamily="34" charset="-120"/>
-              </a:rPr>
-              <a:t>大盼</a:t>
-            </a:r>
-            <a:r>
-              <a:rPr lang="zh-TW" altLang="en-US" sz="5400" b="1" dirty="0">
-                <a:solidFill>
-                  <a:srgbClr val="002060"/>
-                </a:solidFill>
-                <a:latin typeface="Microsoft JhengHei" panose="020B0604030504040204" pitchFamily="34" charset="-120"/>
-                <a:ea typeface="Microsoft JhengHei" panose="020B0604030504040204" pitchFamily="34" charset="-120"/>
-              </a:rPr>
-              <a:t>望  </a:t>
+              <a:t>古今來  最大盼望  </a:t>
             </a:r>
             <a:endParaRPr lang="en-US" altLang="zh-TW" sz="5400" b="1" dirty="0">
               <a:solidFill>
@@ -4053,7 +4061,17 @@
                 <a:latin typeface="Microsoft JhengHei" panose="020B0604030504040204" pitchFamily="34" charset="-120"/>
                 <a:ea typeface="Microsoft JhengHei" panose="020B0604030504040204" pitchFamily="34" charset="-120"/>
               </a:rPr>
-              <a:t>終</a:t>
+              <a:t>終必來</a:t>
+            </a:r>
+            <a:r>
+              <a:rPr lang="en-US" altLang="zh-TW" sz="5400" b="1" dirty="0">
+                <a:solidFill>
+                  <a:srgbClr val="002060"/>
+                </a:solidFill>
+                <a:latin typeface="Microsoft JhengHei" panose="020B0604030504040204" pitchFamily="34" charset="-120"/>
+                <a:ea typeface="Microsoft JhengHei" panose="020B0604030504040204" pitchFamily="34" charset="-120"/>
+              </a:rPr>
+              <a:t>  </a:t>
             </a:r>
             <a:r>
               <a:rPr lang="zh-TW" altLang="en-US" sz="5400" b="1" dirty="0">
@@ -4063,8 +4081,13 @@
                 <a:latin typeface="Microsoft JhengHei" panose="020B0604030504040204" pitchFamily="34" charset="-120"/>
                 <a:ea typeface="Microsoft JhengHei" panose="020B0604030504040204" pitchFamily="34" charset="-120"/>
               </a:rPr>
-              <a:t>必</a:t>
-            </a:r>
+              <a:t>萬王之王</a:t>
+            </a:r>
+          </a:p>
+          <a:p>
+            <a:pPr marL="0" indent="0" algn="ctr">
+              <a:buNone/>
+            </a:pPr>
             <a:r>
               <a:rPr lang="zh-TW" altLang="en-US" sz="5400" b="1" dirty="0">
                 <a:solidFill>
@@ -4073,28 +4096,13 @@
                 <a:latin typeface="Microsoft JhengHei" panose="020B0604030504040204" pitchFamily="34" charset="-120"/>
                 <a:ea typeface="Microsoft JhengHei" panose="020B0604030504040204" pitchFamily="34" charset="-120"/>
               </a:rPr>
-              <a:t>來</a:t>
-            </a:r>
-            <a:r>
-              <a:rPr lang="en-US" altLang="zh-TW" sz="5400" b="1" dirty="0">
-                <a:solidFill>
-                  <a:srgbClr val="002060"/>
-                </a:solidFill>
-                <a:latin typeface="Microsoft JhengHei" panose="020B0604030504040204" pitchFamily="34" charset="-120"/>
-                <a:ea typeface="Microsoft JhengHei" panose="020B0604030504040204" pitchFamily="34" charset="-120"/>
-              </a:rPr>
-              <a:t> </a:t>
-            </a:r>
-            <a:r>
-              <a:rPr lang="en-US" altLang="zh-TW" sz="5400" b="1" dirty="0">
-                <a:solidFill>
-                  <a:srgbClr val="002060"/>
-                </a:solidFill>
-                <a:latin typeface="Microsoft JhengHei" panose="020B0604030504040204" pitchFamily="34" charset="-120"/>
-                <a:ea typeface="Microsoft JhengHei" panose="020B0604030504040204" pitchFamily="34" charset="-120"/>
-              </a:rPr>
-              <a:t> </a:t>
-            </a:r>
+              <a:t>興兮主徒更當儆醒</a:t>
+            </a:r>
+          </a:p>
+          <a:p>
+            <a:pPr marL="0" indent="0" algn="ctr">
+              <a:buNone/>
+            </a:pPr>
             <a:r>
               <a:rPr lang="zh-TW" altLang="en-US" sz="5400" b="1" dirty="0">
                 <a:solidFill>
@@ -4103,8 +4111,13 @@
                 <a:latin typeface="Microsoft JhengHei" panose="020B0604030504040204" pitchFamily="34" charset="-120"/>
                 <a:ea typeface="Microsoft JhengHei" panose="020B0604030504040204" pitchFamily="34" charset="-120"/>
               </a:rPr>
-              <a:t>萬</a:t>
-            </a:r>
+              <a:t>看哪  晨曦正放光明</a:t>
+            </a:r>
+          </a:p>
+          <a:p>
+            <a:pPr marL="0" indent="0" algn="ctr">
+              <a:buNone/>
+            </a:pPr>
             <a:r>
               <a:rPr lang="zh-TW" altLang="en-US" sz="5400" b="1" dirty="0">
                 <a:solidFill>
@@ -4113,77 +4126,15 @@
                 <a:latin typeface="Microsoft JhengHei" panose="020B0604030504040204" pitchFamily="34" charset="-120"/>
                 <a:ea typeface="Microsoft JhengHei" panose="020B0604030504040204" pitchFamily="34" charset="-120"/>
               </a:rPr>
-              <a:t>王之王</a:t>
-            </a:r>
-          </a:p>
-          <a:p>
-            <a:pPr marL="0" indent="0" algn="ctr">
-              <a:buNone/>
-            </a:pPr>
-            <a:r>
-              <a:rPr lang="zh-TW" altLang="en-US" sz="5400" b="1" dirty="0">
-                <a:solidFill>
-                  <a:srgbClr val="002060"/>
-                </a:solidFill>
-                <a:latin typeface="Microsoft JhengHei" panose="020B0604030504040204" pitchFamily="34" charset="-120"/>
-                <a:ea typeface="Microsoft JhengHei" panose="020B0604030504040204" pitchFamily="34" charset="-120"/>
-              </a:rPr>
-              <a:t>興兮主徒更當儆醒</a:t>
-            </a:r>
-          </a:p>
-          <a:p>
-            <a:pPr marL="0" indent="0" algn="ctr">
-              <a:buNone/>
-            </a:pPr>
-            <a:r>
-              <a:rPr lang="zh-TW" altLang="en-US" sz="5400" b="1" dirty="0">
-                <a:solidFill>
-                  <a:srgbClr val="002060"/>
-                </a:solidFill>
-                <a:latin typeface="Microsoft JhengHei" panose="020B0604030504040204" pitchFamily="34" charset="-120"/>
-                <a:ea typeface="Microsoft JhengHei" panose="020B0604030504040204" pitchFamily="34" charset="-120"/>
-              </a:rPr>
-              <a:t>看哪  晨曦正放光明</a:t>
-            </a:r>
-          </a:p>
-          <a:p>
-            <a:pPr marL="0" indent="0" algn="ctr">
-              <a:buNone/>
-            </a:pPr>
-            <a:r>
-              <a:rPr lang="zh-TW" altLang="en-US" sz="5400" b="1" dirty="0">
-                <a:solidFill>
-                  <a:srgbClr val="002060"/>
-                </a:solidFill>
-                <a:latin typeface="Microsoft JhengHei" panose="020B0604030504040204" pitchFamily="34" charset="-120"/>
-                <a:ea typeface="Microsoft JhengHei" panose="020B0604030504040204" pitchFamily="34" charset="-120"/>
-              </a:rPr>
-              <a:t>阿利路亞   耶穌</a:t>
-            </a:r>
-            <a:r>
-              <a:rPr lang="zh-TW" altLang="en-US" sz="5400" b="1" dirty="0">
-                <a:solidFill>
-                  <a:srgbClr val="002060"/>
-                </a:solidFill>
-                <a:latin typeface="Microsoft JhengHei" panose="020B0604030504040204" pitchFamily="34" charset="-120"/>
-                <a:ea typeface="Microsoft JhengHei" panose="020B0604030504040204" pitchFamily="34" charset="-120"/>
-              </a:rPr>
-              <a:t>來</a:t>
-            </a:r>
-            <a:endParaRPr lang="zh-TW" altLang="en-US" sz="5400" b="1" dirty="0">
-              <a:solidFill>
-                <a:srgbClr val="002060"/>
-              </a:solidFill>
-              <a:latin typeface="Microsoft JhengHei" panose="020B0604030504040204" pitchFamily="34" charset="-120"/>
-              <a:ea typeface="Microsoft JhengHei" panose="020B0604030504040204" pitchFamily="34" charset="-120"/>
-            </a:endParaRPr>
+              <a:t>阿利路亞   耶穌來</a:t>
+            </a:r>
           </a:p>
         </p:txBody>
       </p:sp>
     </p:spTree>
     <p:extLst>
       <p:ext uri="{BB962C8B-B14F-4D97-AF65-F5344CB8AC3E}">
-        <p14:creationId xmlns:p14="http://schemas.microsoft.com/office/powerpoint/2010/main" val="989548569"/>
+        <p14:creationId xmlns:p14="http://schemas.microsoft.com/office/powerpoint/2010/main" xmlns="" val="989548569"/>
       </p:ext>
     </p:extLst>
   </p:cSld>
@@ -4392,7 +4343,7 @@
     </p:spTree>
     <p:extLst>
       <p:ext uri="{BB962C8B-B14F-4D97-AF65-F5344CB8AC3E}">
-        <p14:creationId xmlns:p14="http://schemas.microsoft.com/office/powerpoint/2010/main" val="3339962345"/>
+        <p14:creationId xmlns:p14="http://schemas.microsoft.com/office/powerpoint/2010/main" xmlns="" val="3339962345"/>
       </p:ext>
     </p:extLst>
   </p:cSld>
@@ -4502,37 +4453,7 @@
                 <a:latin typeface="Microsoft JhengHei" panose="020B0604030504040204" pitchFamily="34" charset="-120"/>
                 <a:ea typeface="Microsoft JhengHei" panose="020B0604030504040204" pitchFamily="34" charset="-120"/>
               </a:rPr>
-              <a:t>古今</a:t>
-            </a:r>
-            <a:r>
-              <a:rPr lang="zh-TW" altLang="en-US" sz="5400" b="1" dirty="0">
-                <a:solidFill>
-                  <a:srgbClr val="002060"/>
-                </a:solidFill>
-                <a:latin typeface="Microsoft JhengHei" panose="020B0604030504040204" pitchFamily="34" charset="-120"/>
-                <a:ea typeface="Microsoft JhengHei" panose="020B0604030504040204" pitchFamily="34" charset="-120"/>
-              </a:rPr>
-              <a:t>來  最</a:t>
-            </a:r>
-            <a:r>
-              <a:rPr lang="zh-TW" altLang="en-US" sz="5400" b="1" dirty="0">
-                <a:solidFill>
-                  <a:srgbClr val="002060"/>
-                </a:solidFill>
-                <a:latin typeface="Microsoft JhengHei" panose="020B0604030504040204" pitchFamily="34" charset="-120"/>
-                <a:ea typeface="Microsoft JhengHei" panose="020B0604030504040204" pitchFamily="34" charset="-120"/>
-              </a:rPr>
-              <a:t>大盼</a:t>
-            </a:r>
-            <a:r>
-              <a:rPr lang="zh-TW" altLang="en-US" sz="5400" b="1" dirty="0">
-                <a:solidFill>
-                  <a:srgbClr val="002060"/>
-                </a:solidFill>
-                <a:latin typeface="Microsoft JhengHei" panose="020B0604030504040204" pitchFamily="34" charset="-120"/>
-                <a:ea typeface="Microsoft JhengHei" panose="020B0604030504040204" pitchFamily="34" charset="-120"/>
-              </a:rPr>
-              <a:t>望  </a:t>
+              <a:t>古今來  最大盼望  </a:t>
             </a:r>
             <a:endParaRPr lang="en-US" altLang="zh-TW" sz="5400" b="1" dirty="0">
               <a:solidFill>
@@ -4554,7 +4475,17 @@
                 <a:latin typeface="Microsoft JhengHei" panose="020B0604030504040204" pitchFamily="34" charset="-120"/>
                 <a:ea typeface="Microsoft JhengHei" panose="020B0604030504040204" pitchFamily="34" charset="-120"/>
               </a:rPr>
-              <a:t>終</a:t>
+              <a:t>終必來</a:t>
+            </a:r>
+            <a:r>
+              <a:rPr lang="en-US" altLang="zh-TW" sz="5400" b="1" dirty="0">
+                <a:solidFill>
+                  <a:srgbClr val="002060"/>
+                </a:solidFill>
+                <a:latin typeface="Microsoft JhengHei" panose="020B0604030504040204" pitchFamily="34" charset="-120"/>
+                <a:ea typeface="Microsoft JhengHei" panose="020B0604030504040204" pitchFamily="34" charset="-120"/>
+              </a:rPr>
+              <a:t>  </a:t>
             </a:r>
             <a:r>
               <a:rPr lang="zh-TW" altLang="en-US" sz="5400" b="1" dirty="0">
@@ -4564,8 +4495,13 @@
                 <a:latin typeface="Microsoft JhengHei" panose="020B0604030504040204" pitchFamily="34" charset="-120"/>
                 <a:ea typeface="Microsoft JhengHei" panose="020B0604030504040204" pitchFamily="34" charset="-120"/>
               </a:rPr>
-              <a:t>必</a:t>
-            </a:r>
+              <a:t>萬王之王</a:t>
+            </a:r>
+          </a:p>
+          <a:p>
+            <a:pPr marL="0" indent="0" algn="ctr">
+              <a:buNone/>
+            </a:pPr>
             <a:r>
               <a:rPr lang="zh-TW" altLang="en-US" sz="5400" b="1" dirty="0">
                 <a:solidFill>
@@ -4574,28 +4510,13 @@
                 <a:latin typeface="Microsoft JhengHei" panose="020B0604030504040204" pitchFamily="34" charset="-120"/>
                 <a:ea typeface="Microsoft JhengHei" panose="020B0604030504040204" pitchFamily="34" charset="-120"/>
               </a:rPr>
-              <a:t>來</a:t>
-            </a:r>
-            <a:r>
-              <a:rPr lang="en-US" altLang="zh-TW" sz="5400" b="1" dirty="0">
-                <a:solidFill>
-                  <a:srgbClr val="002060"/>
-                </a:solidFill>
-                <a:latin typeface="Microsoft JhengHei" panose="020B0604030504040204" pitchFamily="34" charset="-120"/>
-                <a:ea typeface="Microsoft JhengHei" panose="020B0604030504040204" pitchFamily="34" charset="-120"/>
-              </a:rPr>
-              <a:t> </a:t>
-            </a:r>
-            <a:r>
-              <a:rPr lang="en-US" altLang="zh-TW" sz="5400" b="1" dirty="0">
-                <a:solidFill>
-                  <a:srgbClr val="002060"/>
-                </a:solidFill>
-                <a:latin typeface="Microsoft JhengHei" panose="020B0604030504040204" pitchFamily="34" charset="-120"/>
-                <a:ea typeface="Microsoft JhengHei" panose="020B0604030504040204" pitchFamily="34" charset="-120"/>
-              </a:rPr>
-              <a:t> </a:t>
-            </a:r>
+              <a:t>興兮主徒更當儆醒</a:t>
+            </a:r>
+          </a:p>
+          <a:p>
+            <a:pPr marL="0" indent="0" algn="ctr">
+              <a:buNone/>
+            </a:pPr>
             <a:r>
               <a:rPr lang="zh-TW" altLang="en-US" sz="5400" b="1" dirty="0">
                 <a:solidFill>
@@ -4604,8 +4525,13 @@
                 <a:latin typeface="Microsoft JhengHei" panose="020B0604030504040204" pitchFamily="34" charset="-120"/>
                 <a:ea typeface="Microsoft JhengHei" panose="020B0604030504040204" pitchFamily="34" charset="-120"/>
               </a:rPr>
-              <a:t>萬</a:t>
-            </a:r>
+              <a:t>看哪  晨曦正放光明</a:t>
+            </a:r>
+          </a:p>
+          <a:p>
+            <a:pPr marL="0" indent="0" algn="ctr">
+              <a:buNone/>
+            </a:pPr>
             <a:r>
               <a:rPr lang="zh-TW" altLang="en-US" sz="5400" b="1" dirty="0">
                 <a:solidFill>
@@ -4614,77 +4540,15 @@
                 <a:latin typeface="Microsoft JhengHei" panose="020B0604030504040204" pitchFamily="34" charset="-120"/>
                 <a:ea typeface="Microsoft JhengHei" panose="020B0604030504040204" pitchFamily="34" charset="-120"/>
               </a:rPr>
-              <a:t>王之王</a:t>
-            </a:r>
-          </a:p>
-          <a:p>
-            <a:pPr marL="0" indent="0" algn="ctr">
-              <a:buNone/>
-            </a:pPr>
-            <a:r>
-              <a:rPr lang="zh-TW" altLang="en-US" sz="5400" b="1" dirty="0">
-                <a:solidFill>
-                  <a:srgbClr val="002060"/>
-                </a:solidFill>
-                <a:latin typeface="Microsoft JhengHei" panose="020B0604030504040204" pitchFamily="34" charset="-120"/>
-                <a:ea typeface="Microsoft JhengHei" panose="020B0604030504040204" pitchFamily="34" charset="-120"/>
-              </a:rPr>
-              <a:t>興兮主徒更當儆醒</a:t>
-            </a:r>
-          </a:p>
-          <a:p>
-            <a:pPr marL="0" indent="0" algn="ctr">
-              <a:buNone/>
-            </a:pPr>
-            <a:r>
-              <a:rPr lang="zh-TW" altLang="en-US" sz="5400" b="1" dirty="0">
-                <a:solidFill>
-                  <a:srgbClr val="002060"/>
-                </a:solidFill>
-                <a:latin typeface="Microsoft JhengHei" panose="020B0604030504040204" pitchFamily="34" charset="-120"/>
-                <a:ea typeface="Microsoft JhengHei" panose="020B0604030504040204" pitchFamily="34" charset="-120"/>
-              </a:rPr>
-              <a:t>看哪  晨曦正放光明</a:t>
-            </a:r>
-          </a:p>
-          <a:p>
-            <a:pPr marL="0" indent="0" algn="ctr">
-              <a:buNone/>
-            </a:pPr>
-            <a:r>
-              <a:rPr lang="zh-TW" altLang="en-US" sz="5400" b="1" dirty="0">
-                <a:solidFill>
-                  <a:srgbClr val="002060"/>
-                </a:solidFill>
-                <a:latin typeface="Microsoft JhengHei" panose="020B0604030504040204" pitchFamily="34" charset="-120"/>
-                <a:ea typeface="Microsoft JhengHei" panose="020B0604030504040204" pitchFamily="34" charset="-120"/>
-              </a:rPr>
-              <a:t>阿利路亞   耶穌</a:t>
-            </a:r>
-            <a:r>
-              <a:rPr lang="zh-TW" altLang="en-US" sz="5400" b="1" dirty="0">
-                <a:solidFill>
-                  <a:srgbClr val="002060"/>
-                </a:solidFill>
-                <a:latin typeface="Microsoft JhengHei" panose="020B0604030504040204" pitchFamily="34" charset="-120"/>
-                <a:ea typeface="Microsoft JhengHei" panose="020B0604030504040204" pitchFamily="34" charset="-120"/>
-              </a:rPr>
-              <a:t>來</a:t>
-            </a:r>
-            <a:endParaRPr lang="zh-TW" altLang="en-US" sz="5400" b="1" dirty="0">
-              <a:solidFill>
-                <a:srgbClr val="002060"/>
-              </a:solidFill>
-              <a:latin typeface="Microsoft JhengHei" panose="020B0604030504040204" pitchFamily="34" charset="-120"/>
-              <a:ea typeface="Microsoft JhengHei" panose="020B0604030504040204" pitchFamily="34" charset="-120"/>
-            </a:endParaRPr>
+              <a:t>阿利路亞   耶穌來</a:t>
+            </a:r>
           </a:p>
         </p:txBody>
       </p:sp>
     </p:spTree>
     <p:extLst>
       <p:ext uri="{BB962C8B-B14F-4D97-AF65-F5344CB8AC3E}">
-        <p14:creationId xmlns:p14="http://schemas.microsoft.com/office/powerpoint/2010/main" val="239270130"/>
+        <p14:creationId xmlns:p14="http://schemas.microsoft.com/office/powerpoint/2010/main" xmlns="" val="239270130"/>
       </p:ext>
     </p:extLst>
   </p:cSld>
@@ -4893,7 +4757,7 @@
     </p:spTree>
     <p:extLst>
       <p:ext uri="{BB962C8B-B14F-4D97-AF65-F5344CB8AC3E}">
-        <p14:creationId xmlns:p14="http://schemas.microsoft.com/office/powerpoint/2010/main" val="905932305"/>
+        <p14:creationId xmlns:p14="http://schemas.microsoft.com/office/powerpoint/2010/main" xmlns="" val="905932305"/>
       </p:ext>
     </p:extLst>
   </p:cSld>
@@ -5003,37 +4867,7 @@
                 <a:latin typeface="Microsoft JhengHei" panose="020B0604030504040204" pitchFamily="34" charset="-120"/>
                 <a:ea typeface="Microsoft JhengHei" panose="020B0604030504040204" pitchFamily="34" charset="-120"/>
               </a:rPr>
-              <a:t>古今</a:t>
-            </a:r>
-            <a:r>
-              <a:rPr lang="zh-TW" altLang="en-US" sz="5400" b="1" dirty="0">
-                <a:solidFill>
-                  <a:srgbClr val="002060"/>
-                </a:solidFill>
-                <a:latin typeface="Microsoft JhengHei" panose="020B0604030504040204" pitchFamily="34" charset="-120"/>
-                <a:ea typeface="Microsoft JhengHei" panose="020B0604030504040204" pitchFamily="34" charset="-120"/>
-              </a:rPr>
-              <a:t>來  最</a:t>
-            </a:r>
-            <a:r>
-              <a:rPr lang="zh-TW" altLang="en-US" sz="5400" b="1" dirty="0">
-                <a:solidFill>
-                  <a:srgbClr val="002060"/>
-                </a:solidFill>
-                <a:latin typeface="Microsoft JhengHei" panose="020B0604030504040204" pitchFamily="34" charset="-120"/>
-                <a:ea typeface="Microsoft JhengHei" panose="020B0604030504040204" pitchFamily="34" charset="-120"/>
-              </a:rPr>
-              <a:t>大盼</a:t>
-            </a:r>
-            <a:r>
-              <a:rPr lang="zh-TW" altLang="en-US" sz="5400" b="1" dirty="0">
-                <a:solidFill>
-                  <a:srgbClr val="002060"/>
-                </a:solidFill>
-                <a:latin typeface="Microsoft JhengHei" panose="020B0604030504040204" pitchFamily="34" charset="-120"/>
-                <a:ea typeface="Microsoft JhengHei" panose="020B0604030504040204" pitchFamily="34" charset="-120"/>
-              </a:rPr>
-              <a:t>望  </a:t>
+              <a:t>古今來  最大盼望  </a:t>
             </a:r>
             <a:endParaRPr lang="en-US" altLang="zh-TW" sz="5400" b="1" dirty="0">
               <a:solidFill>
@@ -5055,7 +4889,17 @@
                 <a:latin typeface="Microsoft JhengHei" panose="020B0604030504040204" pitchFamily="34" charset="-120"/>
                 <a:ea typeface="Microsoft JhengHei" panose="020B0604030504040204" pitchFamily="34" charset="-120"/>
               </a:rPr>
-              <a:t>終</a:t>
+              <a:t>終必來</a:t>
+            </a:r>
+            <a:r>
+              <a:rPr lang="en-US" altLang="zh-TW" sz="5400" b="1" dirty="0">
+                <a:solidFill>
+                  <a:srgbClr val="002060"/>
+                </a:solidFill>
+                <a:latin typeface="Microsoft JhengHei" panose="020B0604030504040204" pitchFamily="34" charset="-120"/>
+                <a:ea typeface="Microsoft JhengHei" panose="020B0604030504040204" pitchFamily="34" charset="-120"/>
+              </a:rPr>
+              <a:t>  </a:t>
             </a:r>
             <a:r>
               <a:rPr lang="zh-TW" altLang="en-US" sz="5400" b="1" dirty="0">
@@ -5065,8 +4909,13 @@
                 <a:latin typeface="Microsoft JhengHei" panose="020B0604030504040204" pitchFamily="34" charset="-120"/>
                 <a:ea typeface="Microsoft JhengHei" panose="020B0604030504040204" pitchFamily="34" charset="-120"/>
               </a:rPr>
-              <a:t>必</a:t>
-            </a:r>
+              <a:t>萬王之王</a:t>
+            </a:r>
+          </a:p>
+          <a:p>
+            <a:pPr marL="0" indent="0" algn="ctr">
+              <a:buNone/>
+            </a:pPr>
             <a:r>
               <a:rPr lang="zh-TW" altLang="en-US" sz="5400" b="1" dirty="0">
                 <a:solidFill>
@@ -5075,28 +4924,13 @@
                 <a:latin typeface="Microsoft JhengHei" panose="020B0604030504040204" pitchFamily="34" charset="-120"/>
                 <a:ea typeface="Microsoft JhengHei" panose="020B0604030504040204" pitchFamily="34" charset="-120"/>
               </a:rPr>
-              <a:t>來</a:t>
-            </a:r>
-            <a:r>
-              <a:rPr lang="en-US" altLang="zh-TW" sz="5400" b="1" dirty="0">
-                <a:solidFill>
-                  <a:srgbClr val="002060"/>
-                </a:solidFill>
-                <a:latin typeface="Microsoft JhengHei" panose="020B0604030504040204" pitchFamily="34" charset="-120"/>
-                <a:ea typeface="Microsoft JhengHei" panose="020B0604030504040204" pitchFamily="34" charset="-120"/>
-              </a:rPr>
-              <a:t> </a:t>
-            </a:r>
-            <a:r>
-              <a:rPr lang="en-US" altLang="zh-TW" sz="5400" b="1" dirty="0">
-                <a:solidFill>
-                  <a:srgbClr val="002060"/>
-                </a:solidFill>
-                <a:latin typeface="Microsoft JhengHei" panose="020B0604030504040204" pitchFamily="34" charset="-120"/>
-                <a:ea typeface="Microsoft JhengHei" panose="020B0604030504040204" pitchFamily="34" charset="-120"/>
-              </a:rPr>
-              <a:t> </a:t>
-            </a:r>
+              <a:t>興兮主徒更當儆醒</a:t>
+            </a:r>
+          </a:p>
+          <a:p>
+            <a:pPr marL="0" indent="0" algn="ctr">
+              <a:buNone/>
+            </a:pPr>
             <a:r>
               <a:rPr lang="zh-TW" altLang="en-US" sz="5400" b="1" dirty="0">
                 <a:solidFill>
@@ -5105,8 +4939,13 @@
                 <a:latin typeface="Microsoft JhengHei" panose="020B0604030504040204" pitchFamily="34" charset="-120"/>
                 <a:ea typeface="Microsoft JhengHei" panose="020B0604030504040204" pitchFamily="34" charset="-120"/>
               </a:rPr>
-              <a:t>萬</a:t>
-            </a:r>
+              <a:t>看哪  晨曦正放光明</a:t>
+            </a:r>
+          </a:p>
+          <a:p>
+            <a:pPr marL="0" indent="0" algn="ctr">
+              <a:buNone/>
+            </a:pPr>
             <a:r>
               <a:rPr lang="zh-TW" altLang="en-US" sz="5400" b="1" dirty="0">
                 <a:solidFill>
@@ -5115,77 +4954,15 @@
                 <a:latin typeface="Microsoft JhengHei" panose="020B0604030504040204" pitchFamily="34" charset="-120"/>
                 <a:ea typeface="Microsoft JhengHei" panose="020B0604030504040204" pitchFamily="34" charset="-120"/>
               </a:rPr>
-              <a:t>王之王</a:t>
-            </a:r>
-          </a:p>
-          <a:p>
-            <a:pPr marL="0" indent="0" algn="ctr">
-              <a:buNone/>
-            </a:pPr>
-            <a:r>
-              <a:rPr lang="zh-TW" altLang="en-US" sz="5400" b="1" dirty="0">
-                <a:solidFill>
-                  <a:srgbClr val="002060"/>
-                </a:solidFill>
-                <a:latin typeface="Microsoft JhengHei" panose="020B0604030504040204" pitchFamily="34" charset="-120"/>
-                <a:ea typeface="Microsoft JhengHei" panose="020B0604030504040204" pitchFamily="34" charset="-120"/>
-              </a:rPr>
-              <a:t>興兮主徒更當儆醒</a:t>
-            </a:r>
-          </a:p>
-          <a:p>
-            <a:pPr marL="0" indent="0" algn="ctr">
-              <a:buNone/>
-            </a:pPr>
-            <a:r>
-              <a:rPr lang="zh-TW" altLang="en-US" sz="5400" b="1" dirty="0">
-                <a:solidFill>
-                  <a:srgbClr val="002060"/>
-                </a:solidFill>
-                <a:latin typeface="Microsoft JhengHei" panose="020B0604030504040204" pitchFamily="34" charset="-120"/>
-                <a:ea typeface="Microsoft JhengHei" panose="020B0604030504040204" pitchFamily="34" charset="-120"/>
-              </a:rPr>
-              <a:t>看哪  晨曦正放光明</a:t>
-            </a:r>
-          </a:p>
-          <a:p>
-            <a:pPr marL="0" indent="0" algn="ctr">
-              <a:buNone/>
-            </a:pPr>
-            <a:r>
-              <a:rPr lang="zh-TW" altLang="en-US" sz="5400" b="1" dirty="0">
-                <a:solidFill>
-                  <a:srgbClr val="002060"/>
-                </a:solidFill>
-                <a:latin typeface="Microsoft JhengHei" panose="020B0604030504040204" pitchFamily="34" charset="-120"/>
-                <a:ea typeface="Microsoft JhengHei" panose="020B0604030504040204" pitchFamily="34" charset="-120"/>
-              </a:rPr>
-              <a:t>阿利路亞   耶穌</a:t>
-            </a:r>
-            <a:r>
-              <a:rPr lang="zh-TW" altLang="en-US" sz="5400" b="1" dirty="0">
-                <a:solidFill>
-                  <a:srgbClr val="002060"/>
-                </a:solidFill>
-                <a:latin typeface="Microsoft JhengHei" panose="020B0604030504040204" pitchFamily="34" charset="-120"/>
-                <a:ea typeface="Microsoft JhengHei" panose="020B0604030504040204" pitchFamily="34" charset="-120"/>
-              </a:rPr>
-              <a:t>來</a:t>
-            </a:r>
-            <a:endParaRPr lang="zh-TW" altLang="en-US" sz="5400" b="1" dirty="0">
-              <a:solidFill>
-                <a:srgbClr val="002060"/>
-              </a:solidFill>
-              <a:latin typeface="Microsoft JhengHei" panose="020B0604030504040204" pitchFamily="34" charset="-120"/>
-              <a:ea typeface="Microsoft JhengHei" panose="020B0604030504040204" pitchFamily="34" charset="-120"/>
-            </a:endParaRPr>
+              <a:t>阿利路亞   耶穌來</a:t>
+            </a:r>
           </a:p>
         </p:txBody>
       </p:sp>
     </p:spTree>
     <p:extLst>
       <p:ext uri="{BB962C8B-B14F-4D97-AF65-F5344CB8AC3E}">
-        <p14:creationId xmlns:p14="http://schemas.microsoft.com/office/powerpoint/2010/main" val="2897237581"/>
+        <p14:creationId xmlns:p14="http://schemas.microsoft.com/office/powerpoint/2010/main" xmlns="" val="2897237581"/>
       </p:ext>
     </p:extLst>
   </p:cSld>
@@ -5394,7 +5171,7 @@
     </p:spTree>
     <p:extLst>
       <p:ext uri="{BB962C8B-B14F-4D97-AF65-F5344CB8AC3E}">
-        <p14:creationId xmlns:p14="http://schemas.microsoft.com/office/powerpoint/2010/main" val="250432519"/>
+        <p14:creationId xmlns:p14="http://schemas.microsoft.com/office/powerpoint/2010/main" xmlns="" val="250432519"/>
       </p:ext>
     </p:extLst>
   </p:cSld>
@@ -5504,37 +5281,7 @@
                 <a:latin typeface="Microsoft JhengHei" panose="020B0604030504040204" pitchFamily="34" charset="-120"/>
                 <a:ea typeface="Microsoft JhengHei" panose="020B0604030504040204" pitchFamily="34" charset="-120"/>
               </a:rPr>
-              <a:t>古今</a:t>
-            </a:r>
-            <a:r>
-              <a:rPr lang="zh-TW" altLang="en-US" sz="5400" b="1" dirty="0">
-                <a:solidFill>
-                  <a:srgbClr val="002060"/>
-                </a:solidFill>
-                <a:latin typeface="Microsoft JhengHei" panose="020B0604030504040204" pitchFamily="34" charset="-120"/>
-                <a:ea typeface="Microsoft JhengHei" panose="020B0604030504040204" pitchFamily="34" charset="-120"/>
-              </a:rPr>
-              <a:t>來  最</a:t>
-            </a:r>
-            <a:r>
-              <a:rPr lang="zh-TW" altLang="en-US" sz="5400" b="1" dirty="0">
-                <a:solidFill>
-                  <a:srgbClr val="002060"/>
-                </a:solidFill>
-                <a:latin typeface="Microsoft JhengHei" panose="020B0604030504040204" pitchFamily="34" charset="-120"/>
-                <a:ea typeface="Microsoft JhengHei" panose="020B0604030504040204" pitchFamily="34" charset="-120"/>
-              </a:rPr>
-              <a:t>大盼</a:t>
-            </a:r>
-            <a:r>
-              <a:rPr lang="zh-TW" altLang="en-US" sz="5400" b="1" dirty="0">
-                <a:solidFill>
-                  <a:srgbClr val="002060"/>
-                </a:solidFill>
-                <a:latin typeface="Microsoft JhengHei" panose="020B0604030504040204" pitchFamily="34" charset="-120"/>
-                <a:ea typeface="Microsoft JhengHei" panose="020B0604030504040204" pitchFamily="34" charset="-120"/>
-              </a:rPr>
-              <a:t>望  </a:t>
+              <a:t>古今來  最大盼望  </a:t>
             </a:r>
             <a:endParaRPr lang="en-US" altLang="zh-TW" sz="5400" b="1" dirty="0">
               <a:solidFill>
@@ -5556,7 +5303,17 @@
                 <a:latin typeface="Microsoft JhengHei" panose="020B0604030504040204" pitchFamily="34" charset="-120"/>
                 <a:ea typeface="Microsoft JhengHei" panose="020B0604030504040204" pitchFamily="34" charset="-120"/>
               </a:rPr>
-              <a:t>終</a:t>
+              <a:t>終必來</a:t>
+            </a:r>
+            <a:r>
+              <a:rPr lang="en-US" altLang="zh-TW" sz="5400" b="1" dirty="0">
+                <a:solidFill>
+                  <a:srgbClr val="002060"/>
+                </a:solidFill>
+                <a:latin typeface="Microsoft JhengHei" panose="020B0604030504040204" pitchFamily="34" charset="-120"/>
+                <a:ea typeface="Microsoft JhengHei" panose="020B0604030504040204" pitchFamily="34" charset="-120"/>
+              </a:rPr>
+              <a:t>  </a:t>
             </a:r>
             <a:r>
               <a:rPr lang="zh-TW" altLang="en-US" sz="5400" b="1" dirty="0">
@@ -5566,8 +5323,13 @@
                 <a:latin typeface="Microsoft JhengHei" panose="020B0604030504040204" pitchFamily="34" charset="-120"/>
                 <a:ea typeface="Microsoft JhengHei" panose="020B0604030504040204" pitchFamily="34" charset="-120"/>
               </a:rPr>
-              <a:t>必</a:t>
-            </a:r>
+              <a:t>萬王之王</a:t>
+            </a:r>
+          </a:p>
+          <a:p>
+            <a:pPr marL="0" indent="0" algn="ctr">
+              <a:buNone/>
+            </a:pPr>
             <a:r>
               <a:rPr lang="zh-TW" altLang="en-US" sz="5400" b="1" dirty="0">
                 <a:solidFill>
@@ -5576,28 +5338,13 @@
                 <a:latin typeface="Microsoft JhengHei" panose="020B0604030504040204" pitchFamily="34" charset="-120"/>
                 <a:ea typeface="Microsoft JhengHei" panose="020B0604030504040204" pitchFamily="34" charset="-120"/>
               </a:rPr>
-              <a:t>來</a:t>
-            </a:r>
-            <a:r>
-              <a:rPr lang="en-US" altLang="zh-TW" sz="5400" b="1" dirty="0">
-                <a:solidFill>
-                  <a:srgbClr val="002060"/>
-                </a:solidFill>
-                <a:latin typeface="Microsoft JhengHei" panose="020B0604030504040204" pitchFamily="34" charset="-120"/>
-                <a:ea typeface="Microsoft JhengHei" panose="020B0604030504040204" pitchFamily="34" charset="-120"/>
-              </a:rPr>
-              <a:t> </a:t>
-            </a:r>
-            <a:r>
-              <a:rPr lang="en-US" altLang="zh-TW" sz="5400" b="1" dirty="0">
-                <a:solidFill>
-                  <a:srgbClr val="002060"/>
-                </a:solidFill>
-                <a:latin typeface="Microsoft JhengHei" panose="020B0604030504040204" pitchFamily="34" charset="-120"/>
-                <a:ea typeface="Microsoft JhengHei" panose="020B0604030504040204" pitchFamily="34" charset="-120"/>
-              </a:rPr>
-              <a:t> </a:t>
-            </a:r>
+              <a:t>興兮主徒更當儆醒</a:t>
+            </a:r>
+          </a:p>
+          <a:p>
+            <a:pPr marL="0" indent="0" algn="ctr">
+              <a:buNone/>
+            </a:pPr>
             <a:r>
               <a:rPr lang="zh-TW" altLang="en-US" sz="5400" b="1" dirty="0">
                 <a:solidFill>
@@ -5606,8 +5353,13 @@
                 <a:latin typeface="Microsoft JhengHei" panose="020B0604030504040204" pitchFamily="34" charset="-120"/>
                 <a:ea typeface="Microsoft JhengHei" panose="020B0604030504040204" pitchFamily="34" charset="-120"/>
               </a:rPr>
-              <a:t>萬</a:t>
-            </a:r>
+              <a:t>看哪  晨曦正放光明</a:t>
+            </a:r>
+          </a:p>
+          <a:p>
+            <a:pPr marL="0" indent="0" algn="ctr">
+              <a:buNone/>
+            </a:pPr>
             <a:r>
               <a:rPr lang="zh-TW" altLang="en-US" sz="5400" b="1" dirty="0">
                 <a:solidFill>
@@ -5616,77 +5368,15 @@
                 <a:latin typeface="Microsoft JhengHei" panose="020B0604030504040204" pitchFamily="34" charset="-120"/>
                 <a:ea typeface="Microsoft JhengHei" panose="020B0604030504040204" pitchFamily="34" charset="-120"/>
               </a:rPr>
-              <a:t>王之王</a:t>
-            </a:r>
-          </a:p>
-          <a:p>
-            <a:pPr marL="0" indent="0" algn="ctr">
-              <a:buNone/>
-            </a:pPr>
-            <a:r>
-              <a:rPr lang="zh-TW" altLang="en-US" sz="5400" b="1" dirty="0">
-                <a:solidFill>
-                  <a:srgbClr val="002060"/>
-                </a:solidFill>
-                <a:latin typeface="Microsoft JhengHei" panose="020B0604030504040204" pitchFamily="34" charset="-120"/>
-                <a:ea typeface="Microsoft JhengHei" panose="020B0604030504040204" pitchFamily="34" charset="-120"/>
-              </a:rPr>
-              <a:t>興兮主徒更當儆醒</a:t>
-            </a:r>
-          </a:p>
-          <a:p>
-            <a:pPr marL="0" indent="0" algn="ctr">
-              <a:buNone/>
-            </a:pPr>
-            <a:r>
-              <a:rPr lang="zh-TW" altLang="en-US" sz="5400" b="1" dirty="0">
-                <a:solidFill>
-                  <a:srgbClr val="002060"/>
-                </a:solidFill>
-                <a:latin typeface="Microsoft JhengHei" panose="020B0604030504040204" pitchFamily="34" charset="-120"/>
-                <a:ea typeface="Microsoft JhengHei" panose="020B0604030504040204" pitchFamily="34" charset="-120"/>
-              </a:rPr>
-              <a:t>看哪  晨曦正放光明</a:t>
-            </a:r>
-          </a:p>
-          <a:p>
-            <a:pPr marL="0" indent="0" algn="ctr">
-              <a:buNone/>
-            </a:pPr>
-            <a:r>
-              <a:rPr lang="zh-TW" altLang="en-US" sz="5400" b="1" dirty="0">
-                <a:solidFill>
-                  <a:srgbClr val="002060"/>
-                </a:solidFill>
-                <a:latin typeface="Microsoft JhengHei" panose="020B0604030504040204" pitchFamily="34" charset="-120"/>
-                <a:ea typeface="Microsoft JhengHei" panose="020B0604030504040204" pitchFamily="34" charset="-120"/>
-              </a:rPr>
-              <a:t>阿利路亞   耶穌</a:t>
-            </a:r>
-            <a:r>
-              <a:rPr lang="zh-TW" altLang="en-US" sz="5400" b="1" dirty="0">
-                <a:solidFill>
-                  <a:srgbClr val="002060"/>
-                </a:solidFill>
-                <a:latin typeface="Microsoft JhengHei" panose="020B0604030504040204" pitchFamily="34" charset="-120"/>
-                <a:ea typeface="Microsoft JhengHei" panose="020B0604030504040204" pitchFamily="34" charset="-120"/>
-              </a:rPr>
-              <a:t>來</a:t>
-            </a:r>
-            <a:endParaRPr lang="zh-TW" altLang="en-US" sz="5400" b="1" dirty="0">
-              <a:solidFill>
-                <a:srgbClr val="002060"/>
-              </a:solidFill>
-              <a:latin typeface="Microsoft JhengHei" panose="020B0604030504040204" pitchFamily="34" charset="-120"/>
-              <a:ea typeface="Microsoft JhengHei" panose="020B0604030504040204" pitchFamily="34" charset="-120"/>
-            </a:endParaRPr>
+              <a:t>阿利路亞   耶穌來</a:t>
+            </a:r>
           </a:p>
         </p:txBody>
       </p:sp>
     </p:spTree>
     <p:extLst>
       <p:ext uri="{BB962C8B-B14F-4D97-AF65-F5344CB8AC3E}">
-        <p14:creationId xmlns:p14="http://schemas.microsoft.com/office/powerpoint/2010/main" val="3573787453"/>
+        <p14:creationId xmlns:p14="http://schemas.microsoft.com/office/powerpoint/2010/main" xmlns="" val="3573787453"/>
       </p:ext>
     </p:extLst>
   </p:cSld>
@@ -5978,7 +5668,7 @@
   <a:extraClrSchemeLst/>
   <a:extLst>
     <a:ext uri="{05A4C25C-085E-4340-85A3-A5531E510DB2}">
-      <thm15:themeFamily xmlns:thm15="http://schemas.microsoft.com/office/thememl/2012/main" name="Theme1" id="{1A8DE197-990E-4893-BF04-3823FBB50F9A}" vid="{430B7048-5A04-4BDB-939A-C7E865DB887B}"/>
+      <thm15:themeFamily xmlns:thm15="http://schemas.microsoft.com/office/thememl/2012/main" xmlns="" name="Theme1" id="{1A8DE197-990E-4893-BF04-3823FBB50F9A}" vid="{430B7048-5A04-4BDB-939A-C7E865DB887B}"/>
     </a:ext>
   </a:extLst>
 </a:theme>
@@ -6266,7 +5956,7 @@
   <a:extraClrSchemeLst/>
   <a:extLst>
     <a:ext uri="{05A4C25C-085E-4340-85A3-A5531E510DB2}">
-      <thm15:themeFamily xmlns:thm15="http://schemas.microsoft.com/office/thememl/2012/main" name="Office Theme" id="{62F939B6-93AF-4DB8-9C6B-D6C7DFDC589F}" vid="{4A3C46E8-61CC-4603-A589-7422A47A8E4A}"/>
+      <thm15:themeFamily xmlns:thm15="http://schemas.microsoft.com/office/thememl/2012/main" xmlns="" name="Office Theme" id="{62F939B6-93AF-4DB8-9C6B-D6C7DFDC589F}" vid="{4A3C46E8-61CC-4603-A589-7422A47A8E4A}"/>
     </a:ext>
   </a:extLst>
 </a:theme>
@@ -6527,7 +6217,7 @@
   <a:extraClrSchemeLst/>
   <a:extLst>
     <a:ext uri="{05A4C25C-085E-4340-85A3-A5531E510DB2}">
-      <thm15:themeFamily xmlns:thm15="http://schemas.microsoft.com/office/thememl/2012/main" name="Office Theme" id="{62F939B6-93AF-4DB8-9C6B-D6C7DFDC589F}" vid="{4A3C46E8-61CC-4603-A589-7422A47A8E4A}"/>
+      <thm15:themeFamily xmlns:thm15="http://schemas.microsoft.com/office/thememl/2012/main" xmlns="" name="Office Theme" id="{62F939B6-93AF-4DB8-9C6B-D6C7DFDC589F}" vid="{4A3C46E8-61CC-4603-A589-7422A47A8E4A}"/>
     </a:ext>
   </a:extLst>
 </a:theme>
